--- a/리액트/리액트란 무엇인가.pptx
+++ b/리액트/리액트란 무엇인가.pptx
@@ -17,6 +17,13 @@
     <p:sldId id="266" r:id="rId11"/>
     <p:sldId id="265" r:id="rId12"/>
     <p:sldId id="267" r:id="rId13"/>
+    <p:sldId id="268" r:id="rId14"/>
+    <p:sldId id="269" r:id="rId15"/>
+    <p:sldId id="270" r:id="rId16"/>
+    <p:sldId id="271" r:id="rId17"/>
+    <p:sldId id="272" r:id="rId18"/>
+    <p:sldId id="273" r:id="rId19"/>
+    <p:sldId id="274" r:id="rId20"/>
   </p:sldIdLst>
   <p:sldSz cx="12192000" cy="6858000"/>
   <p:notesSz cx="6858000" cy="9144000"/>
@@ -270,7 +277,7 @@
           <a:p>
             <a:fld id="{65C7253A-3F55-4E2B-B2C0-C28EACC891DF}" type="datetimeFigureOut">
               <a:rPr lang="ko-KR" altLang="en-US" smtClean="0"/>
-              <a:t>2020-03-28</a:t>
+              <a:t>2020-03-29</a:t>
             </a:fld>
             <a:endParaRPr lang="ko-KR" altLang="en-US"/>
           </a:p>
@@ -468,7 +475,7 @@
           <a:p>
             <a:fld id="{65C7253A-3F55-4E2B-B2C0-C28EACC891DF}" type="datetimeFigureOut">
               <a:rPr lang="ko-KR" altLang="en-US" smtClean="0"/>
-              <a:t>2020-03-28</a:t>
+              <a:t>2020-03-29</a:t>
             </a:fld>
             <a:endParaRPr lang="ko-KR" altLang="en-US"/>
           </a:p>
@@ -676,7 +683,7 @@
           <a:p>
             <a:fld id="{65C7253A-3F55-4E2B-B2C0-C28EACC891DF}" type="datetimeFigureOut">
               <a:rPr lang="ko-KR" altLang="en-US" smtClean="0"/>
-              <a:t>2020-03-28</a:t>
+              <a:t>2020-03-29</a:t>
             </a:fld>
             <a:endParaRPr lang="ko-KR" altLang="en-US"/>
           </a:p>
@@ -874,7 +881,7 @@
           <a:p>
             <a:fld id="{65C7253A-3F55-4E2B-B2C0-C28EACC891DF}" type="datetimeFigureOut">
               <a:rPr lang="ko-KR" altLang="en-US" smtClean="0"/>
-              <a:t>2020-03-28</a:t>
+              <a:t>2020-03-29</a:t>
             </a:fld>
             <a:endParaRPr lang="ko-KR" altLang="en-US"/>
           </a:p>
@@ -1149,7 +1156,7 @@
           <a:p>
             <a:fld id="{65C7253A-3F55-4E2B-B2C0-C28EACC891DF}" type="datetimeFigureOut">
               <a:rPr lang="ko-KR" altLang="en-US" smtClean="0"/>
-              <a:t>2020-03-28</a:t>
+              <a:t>2020-03-29</a:t>
             </a:fld>
             <a:endParaRPr lang="ko-KR" altLang="en-US"/>
           </a:p>
@@ -1414,7 +1421,7 @@
           <a:p>
             <a:fld id="{65C7253A-3F55-4E2B-B2C0-C28EACC891DF}" type="datetimeFigureOut">
               <a:rPr lang="ko-KR" altLang="en-US" smtClean="0"/>
-              <a:t>2020-03-28</a:t>
+              <a:t>2020-03-29</a:t>
             </a:fld>
             <a:endParaRPr lang="ko-KR" altLang="en-US"/>
           </a:p>
@@ -1826,7 +1833,7 @@
           <a:p>
             <a:fld id="{65C7253A-3F55-4E2B-B2C0-C28EACC891DF}" type="datetimeFigureOut">
               <a:rPr lang="ko-KR" altLang="en-US" smtClean="0"/>
-              <a:t>2020-03-28</a:t>
+              <a:t>2020-03-29</a:t>
             </a:fld>
             <a:endParaRPr lang="ko-KR" altLang="en-US"/>
           </a:p>
@@ -1967,7 +1974,7 @@
           <a:p>
             <a:fld id="{65C7253A-3F55-4E2B-B2C0-C28EACC891DF}" type="datetimeFigureOut">
               <a:rPr lang="ko-KR" altLang="en-US" smtClean="0"/>
-              <a:t>2020-03-28</a:t>
+              <a:t>2020-03-29</a:t>
             </a:fld>
             <a:endParaRPr lang="ko-KR" altLang="en-US"/>
           </a:p>
@@ -2080,7 +2087,7 @@
           <a:p>
             <a:fld id="{65C7253A-3F55-4E2B-B2C0-C28EACC891DF}" type="datetimeFigureOut">
               <a:rPr lang="ko-KR" altLang="en-US" smtClean="0"/>
-              <a:t>2020-03-28</a:t>
+              <a:t>2020-03-29</a:t>
             </a:fld>
             <a:endParaRPr lang="ko-KR" altLang="en-US"/>
           </a:p>
@@ -2391,7 +2398,7 @@
           <a:p>
             <a:fld id="{65C7253A-3F55-4E2B-B2C0-C28EACC891DF}" type="datetimeFigureOut">
               <a:rPr lang="ko-KR" altLang="en-US" smtClean="0"/>
-              <a:t>2020-03-28</a:t>
+              <a:t>2020-03-29</a:t>
             </a:fld>
             <a:endParaRPr lang="ko-KR" altLang="en-US"/>
           </a:p>
@@ -2679,7 +2686,7 @@
           <a:p>
             <a:fld id="{65C7253A-3F55-4E2B-B2C0-C28EACC891DF}" type="datetimeFigureOut">
               <a:rPr lang="ko-KR" altLang="en-US" smtClean="0"/>
-              <a:t>2020-03-28</a:t>
+              <a:t>2020-03-29</a:t>
             </a:fld>
             <a:endParaRPr lang="ko-KR" altLang="en-US"/>
           </a:p>
@@ -2920,7 +2927,7 @@
           <a:p>
             <a:fld id="{65C7253A-3F55-4E2B-B2C0-C28EACC891DF}" type="datetimeFigureOut">
               <a:rPr lang="ko-KR" altLang="en-US" smtClean="0"/>
-              <a:t>2020-03-28</a:t>
+              <a:t>2020-03-29</a:t>
             </a:fld>
             <a:endParaRPr lang="ko-KR" altLang="en-US"/>
           </a:p>
@@ -3973,19 +3980,2045 @@
               <a:t>과 비슷하게 생김</a:t>
             </a:r>
             <a:r>
-              <a:rPr lang="en-US" altLang="ko-KR"/>
+              <a:rPr lang="en-US" altLang="ko-KR" dirty="0"/>
               <a:t>.</a:t>
             </a:r>
           </a:p>
           <a:p>
-            <a:endParaRPr lang="ko-KR" altLang="en-US"/>
+            <a:r>
+              <a:rPr lang="ko-KR" altLang="en-US" dirty="0"/>
+              <a:t>브라우저에서 실행되기 전 코드가 </a:t>
+            </a:r>
+            <a:r>
+              <a:rPr lang="ko-KR" altLang="en-US" dirty="0" err="1"/>
+              <a:t>번들링</a:t>
+            </a:r>
+            <a:r>
+              <a:rPr lang="ko-KR" altLang="en-US" dirty="0"/>
+              <a:t> 되는 과정에서 일반 자바스크립트 형태의 코드로 변환됨</a:t>
+            </a:r>
+            <a:endParaRPr lang="en-US" altLang="ko-KR" dirty="0"/>
+          </a:p>
+          <a:p>
+            <a:pPr marL="0" indent="0">
+              <a:buNone/>
+            </a:pPr>
+            <a:endParaRPr lang="en-US" altLang="ko-KR" dirty="0"/>
+          </a:p>
+          <a:p>
+            <a:endParaRPr lang="ko-KR" altLang="en-US" dirty="0"/>
+          </a:p>
+        </p:txBody>
+      </p:sp>
+      <p:sp>
+        <p:nvSpPr>
+          <p:cNvPr id="4" name="직사각형 3">
+            <a:extLst>
+              <a:ext uri="{FF2B5EF4-FFF2-40B4-BE49-F238E27FC236}">
+                <a16:creationId xmlns:a16="http://schemas.microsoft.com/office/drawing/2014/main" id="{07F1473B-C08A-41F1-940A-500B56107B2F}"/>
+              </a:ext>
+            </a:extLst>
+          </p:cNvPr>
+          <p:cNvSpPr/>
+          <p:nvPr/>
+        </p:nvSpPr>
+        <p:spPr>
+          <a:xfrm>
+            <a:off x="237689" y="3781338"/>
+            <a:ext cx="4980264" cy="2031325"/>
+          </a:xfrm>
+          <a:prstGeom prst="rect">
+            <a:avLst/>
+          </a:prstGeom>
+        </p:spPr>
+        <p:txBody>
+          <a:bodyPr wrap="square">
+            <a:spAutoFit/>
+          </a:bodyPr>
+          <a:lstStyle/>
+          <a:p>
+            <a:r>
+              <a:rPr lang="en-US" altLang="ko-KR" dirty="0">
+                <a:solidFill>
+                  <a:srgbClr val="C678DD"/>
+                </a:solidFill>
+                <a:latin typeface="dm"/>
+              </a:rPr>
+              <a:t>function</a:t>
+            </a:r>
+            <a:r>
+              <a:rPr lang="en-US" altLang="ko-KR" dirty="0">
+                <a:solidFill>
+                  <a:srgbClr val="999999"/>
+                </a:solidFill>
+                <a:latin typeface="dm"/>
+              </a:rPr>
+              <a:t> </a:t>
+            </a:r>
+            <a:r>
+              <a:rPr lang="en-US" altLang="ko-KR" dirty="0">
+                <a:solidFill>
+                  <a:srgbClr val="61AFEF"/>
+                </a:solidFill>
+                <a:latin typeface="dm"/>
+              </a:rPr>
+              <a:t>App</a:t>
+            </a:r>
+            <a:r>
+              <a:rPr lang="en-US" altLang="ko-KR" dirty="0">
+                <a:solidFill>
+                  <a:srgbClr val="ABB2BF"/>
+                </a:solidFill>
+                <a:latin typeface="dm"/>
+              </a:rPr>
+              <a:t>{</a:t>
+            </a:r>
+            <a:endParaRPr lang="en-US" altLang="ko-KR" dirty="0">
+              <a:solidFill>
+                <a:srgbClr val="999999"/>
+              </a:solidFill>
+              <a:latin typeface="dm"/>
+            </a:endParaRPr>
+          </a:p>
+          <a:p>
+            <a:pPr lvl="1"/>
+            <a:r>
+              <a:rPr lang="en-US" altLang="ko-KR" dirty="0">
+                <a:solidFill>
+                  <a:srgbClr val="C678DD"/>
+                </a:solidFill>
+                <a:latin typeface="dm"/>
+              </a:rPr>
+              <a:t>return</a:t>
+            </a:r>
+            <a:r>
+              <a:rPr lang="en-US" altLang="ko-KR" dirty="0">
+                <a:solidFill>
+                  <a:srgbClr val="999999"/>
+                </a:solidFill>
+                <a:latin typeface="dm"/>
+              </a:rPr>
+              <a:t> </a:t>
+            </a:r>
+            <a:r>
+              <a:rPr lang="en-US" altLang="ko-KR" dirty="0">
+                <a:solidFill>
+                  <a:srgbClr val="ABB2BF"/>
+                </a:solidFill>
+                <a:latin typeface="dm"/>
+              </a:rPr>
+              <a:t>(</a:t>
+            </a:r>
+            <a:endParaRPr lang="en-US" altLang="ko-KR" dirty="0">
+              <a:solidFill>
+                <a:srgbClr val="999999"/>
+              </a:solidFill>
+              <a:latin typeface="dm"/>
+            </a:endParaRPr>
+          </a:p>
+          <a:p>
+            <a:pPr lvl="2"/>
+            <a:r>
+              <a:rPr lang="en-US" altLang="ko-KR" dirty="0">
+                <a:solidFill>
+                  <a:srgbClr val="ABB2BF"/>
+                </a:solidFill>
+                <a:latin typeface="dm"/>
+              </a:rPr>
+              <a:t>&lt;</a:t>
+            </a:r>
+            <a:r>
+              <a:rPr lang="en-US" altLang="ko-KR" dirty="0">
+                <a:solidFill>
+                  <a:srgbClr val="E06C75"/>
+                </a:solidFill>
+                <a:latin typeface="dm"/>
+              </a:rPr>
+              <a:t>div</a:t>
+            </a:r>
+            <a:r>
+              <a:rPr lang="en-US" altLang="ko-KR" dirty="0">
+                <a:solidFill>
+                  <a:srgbClr val="ABB2BF"/>
+                </a:solidFill>
+                <a:latin typeface="dm"/>
+              </a:rPr>
+              <a:t>&gt;</a:t>
+            </a:r>
+            <a:endParaRPr lang="en-US" altLang="ko-KR" dirty="0">
+              <a:solidFill>
+                <a:srgbClr val="999999"/>
+              </a:solidFill>
+              <a:latin typeface="dm"/>
+            </a:endParaRPr>
+          </a:p>
+          <a:p>
+            <a:pPr lvl="2"/>
+            <a:r>
+              <a:rPr lang="en-US" altLang="ko-KR" dirty="0">
+                <a:solidFill>
+                  <a:srgbClr val="ABB2BF"/>
+                </a:solidFill>
+                <a:latin typeface="dm"/>
+              </a:rPr>
+              <a:t>	&lt;</a:t>
+            </a:r>
+            <a:r>
+              <a:rPr lang="en-US" altLang="ko-KR" dirty="0">
+                <a:solidFill>
+                  <a:srgbClr val="E06C75"/>
+                </a:solidFill>
+                <a:latin typeface="dm"/>
+              </a:rPr>
+              <a:t>h1</a:t>
+            </a:r>
+            <a:r>
+              <a:rPr lang="en-US" altLang="ko-KR" dirty="0">
+                <a:solidFill>
+                  <a:srgbClr val="ABB2BF"/>
+                </a:solidFill>
+                <a:latin typeface="dm"/>
+              </a:rPr>
+              <a:t>&gt;</a:t>
+            </a:r>
+            <a:r>
+              <a:rPr lang="ko-KR" altLang="en-US" dirty="0">
+                <a:solidFill>
+                  <a:srgbClr val="ABB2BF"/>
+                </a:solidFill>
+                <a:latin typeface="dm"/>
+              </a:rPr>
+              <a:t>안녕하세요 </a:t>
+            </a:r>
+            <a:r>
+              <a:rPr lang="ko-KR" altLang="en-US" dirty="0" err="1">
+                <a:solidFill>
+                  <a:srgbClr val="ABB2BF"/>
+                </a:solidFill>
+                <a:latin typeface="dm"/>
+              </a:rPr>
+              <a:t>리액트</a:t>
+            </a:r>
+            <a:r>
+              <a:rPr lang="en-US" altLang="ko-KR" dirty="0">
+                <a:solidFill>
+                  <a:srgbClr val="ABB2BF"/>
+                </a:solidFill>
+                <a:latin typeface="dm"/>
+              </a:rPr>
+              <a:t>&lt;/</a:t>
+            </a:r>
+            <a:r>
+              <a:rPr lang="en-US" altLang="ko-KR" dirty="0">
+                <a:solidFill>
+                  <a:srgbClr val="E06C75"/>
+                </a:solidFill>
+                <a:latin typeface="dm"/>
+              </a:rPr>
+              <a:t>h1</a:t>
+            </a:r>
+            <a:r>
+              <a:rPr lang="en-US" altLang="ko-KR" dirty="0">
+                <a:solidFill>
+                  <a:srgbClr val="ABB2BF"/>
+                </a:solidFill>
+                <a:latin typeface="dm"/>
+              </a:rPr>
+              <a:t>&gt;</a:t>
+            </a:r>
+            <a:endParaRPr lang="en-US" altLang="ko-KR" dirty="0">
+              <a:solidFill>
+                <a:srgbClr val="999999"/>
+              </a:solidFill>
+              <a:latin typeface="dm"/>
+            </a:endParaRPr>
+          </a:p>
+          <a:p>
+            <a:pPr lvl="2"/>
+            <a:r>
+              <a:rPr lang="en-US" altLang="ko-KR" dirty="0">
+                <a:solidFill>
+                  <a:srgbClr val="ABB2BF"/>
+                </a:solidFill>
+                <a:latin typeface="dm"/>
+              </a:rPr>
+              <a:t>&lt;/</a:t>
+            </a:r>
+            <a:r>
+              <a:rPr lang="en-US" altLang="ko-KR" dirty="0">
+                <a:solidFill>
+                  <a:srgbClr val="E06C75"/>
+                </a:solidFill>
+                <a:latin typeface="dm"/>
+              </a:rPr>
+              <a:t>div</a:t>
+            </a:r>
+            <a:r>
+              <a:rPr lang="en-US" altLang="ko-KR" dirty="0">
+                <a:solidFill>
+                  <a:srgbClr val="ABB2BF"/>
+                </a:solidFill>
+                <a:latin typeface="dm"/>
+              </a:rPr>
+              <a:t>&gt;</a:t>
+            </a:r>
+            <a:endParaRPr lang="en-US" altLang="ko-KR" dirty="0">
+              <a:solidFill>
+                <a:srgbClr val="999999"/>
+              </a:solidFill>
+              <a:latin typeface="dm"/>
+            </a:endParaRPr>
+          </a:p>
+          <a:p>
+            <a:pPr lvl="1"/>
+            <a:r>
+              <a:rPr lang="en-US" altLang="ko-KR" dirty="0">
+                <a:solidFill>
+                  <a:srgbClr val="ABB2BF"/>
+                </a:solidFill>
+                <a:latin typeface="dm"/>
+              </a:rPr>
+              <a:t>);</a:t>
+            </a:r>
+            <a:endParaRPr lang="en-US" altLang="ko-KR" dirty="0">
+              <a:solidFill>
+                <a:srgbClr val="999999"/>
+              </a:solidFill>
+              <a:latin typeface="dm"/>
+            </a:endParaRPr>
+          </a:p>
+          <a:p>
+            <a:r>
+              <a:rPr lang="en-US" altLang="ko-KR" dirty="0">
+                <a:solidFill>
+                  <a:srgbClr val="ABB2BF"/>
+                </a:solidFill>
+                <a:latin typeface="dm"/>
+              </a:rPr>
+              <a:t>}</a:t>
+            </a:r>
+            <a:endParaRPr lang="en-US" altLang="ko-KR" b="0" dirty="0">
+              <a:solidFill>
+                <a:srgbClr val="999999"/>
+              </a:solidFill>
+              <a:effectLst/>
+              <a:latin typeface="dm"/>
+            </a:endParaRPr>
+          </a:p>
+        </p:txBody>
+      </p:sp>
+      <p:sp>
+        <p:nvSpPr>
+          <p:cNvPr id="5" name="직사각형 4">
+            <a:extLst>
+              <a:ext uri="{FF2B5EF4-FFF2-40B4-BE49-F238E27FC236}">
+                <a16:creationId xmlns:a16="http://schemas.microsoft.com/office/drawing/2014/main" id="{9E2D539A-728F-4B8E-BB7C-44809DA8CA5C}"/>
+              </a:ext>
+            </a:extLst>
+          </p:cNvPr>
+          <p:cNvSpPr/>
+          <p:nvPr/>
+        </p:nvSpPr>
+        <p:spPr>
+          <a:xfrm>
+            <a:off x="6344871" y="4427668"/>
+            <a:ext cx="5768831" cy="738664"/>
+          </a:xfrm>
+          <a:prstGeom prst="rect">
+            <a:avLst/>
+          </a:prstGeom>
+        </p:spPr>
+        <p:txBody>
+          <a:bodyPr wrap="square">
+            <a:spAutoFit/>
+          </a:bodyPr>
+          <a:lstStyle/>
+          <a:p>
+            <a:r>
+              <a:rPr lang="en-US" altLang="ko-KR" sz="1400" dirty="0">
+                <a:solidFill>
+                  <a:srgbClr val="C678DD"/>
+                </a:solidFill>
+                <a:latin typeface="dm"/>
+              </a:rPr>
+              <a:t>function</a:t>
+            </a:r>
+            <a:r>
+              <a:rPr lang="en-US" altLang="ko-KR" sz="1400" dirty="0">
+                <a:solidFill>
+                  <a:srgbClr val="999999"/>
+                </a:solidFill>
+                <a:latin typeface="dm"/>
+              </a:rPr>
+              <a:t> </a:t>
+            </a:r>
+            <a:r>
+              <a:rPr lang="en-US" altLang="ko-KR" sz="1400" dirty="0">
+                <a:solidFill>
+                  <a:srgbClr val="61AFEF"/>
+                </a:solidFill>
+                <a:latin typeface="dm"/>
+              </a:rPr>
+              <a:t>App</a:t>
+            </a:r>
+            <a:r>
+              <a:rPr lang="en-US" altLang="ko-KR" sz="1400" dirty="0">
+                <a:solidFill>
+                  <a:srgbClr val="ABB2BF"/>
+                </a:solidFill>
+                <a:latin typeface="dm"/>
+              </a:rPr>
+              <a:t>()</a:t>
+            </a:r>
+            <a:r>
+              <a:rPr lang="en-US" altLang="ko-KR" sz="1400" dirty="0">
+                <a:solidFill>
+                  <a:srgbClr val="999999"/>
+                </a:solidFill>
+                <a:latin typeface="dm"/>
+              </a:rPr>
+              <a:t> </a:t>
+            </a:r>
+            <a:r>
+              <a:rPr lang="en-US" altLang="ko-KR" sz="1400" dirty="0">
+                <a:solidFill>
+                  <a:srgbClr val="ABB2BF"/>
+                </a:solidFill>
+                <a:latin typeface="dm"/>
+              </a:rPr>
+              <a:t>{</a:t>
+            </a:r>
+            <a:endParaRPr lang="en-US" altLang="ko-KR" sz="1400" dirty="0">
+              <a:solidFill>
+                <a:srgbClr val="999999"/>
+              </a:solidFill>
+              <a:latin typeface="dm"/>
+            </a:endParaRPr>
+          </a:p>
+          <a:p>
+            <a:r>
+              <a:rPr lang="en-US" altLang="ko-KR" sz="1400" dirty="0">
+                <a:solidFill>
+                  <a:srgbClr val="C678DD"/>
+                </a:solidFill>
+                <a:latin typeface="dm"/>
+              </a:rPr>
+              <a:t>      </a:t>
+            </a:r>
+            <a:r>
+              <a:rPr lang="en-US" altLang="ko-KR" sz="1000" dirty="0">
+                <a:solidFill>
+                  <a:srgbClr val="C678DD"/>
+                </a:solidFill>
+                <a:latin typeface="dm"/>
+              </a:rPr>
+              <a:t>return</a:t>
+            </a:r>
+            <a:r>
+              <a:rPr lang="en-US" altLang="ko-KR" sz="1000" dirty="0">
+                <a:solidFill>
+                  <a:srgbClr val="999999"/>
+                </a:solidFill>
+                <a:latin typeface="dm"/>
+              </a:rPr>
+              <a:t> </a:t>
+            </a:r>
+            <a:r>
+              <a:rPr lang="en-US" altLang="ko-KR" sz="1000" dirty="0" err="1">
+                <a:solidFill>
+                  <a:srgbClr val="E06C75"/>
+                </a:solidFill>
+                <a:latin typeface="dm"/>
+              </a:rPr>
+              <a:t>React</a:t>
+            </a:r>
+            <a:r>
+              <a:rPr lang="en-US" altLang="ko-KR" sz="1000" dirty="0" err="1">
+                <a:solidFill>
+                  <a:srgbClr val="ABB2BF"/>
+                </a:solidFill>
+                <a:latin typeface="dm"/>
+              </a:rPr>
+              <a:t>.</a:t>
+            </a:r>
+            <a:r>
+              <a:rPr lang="en-US" altLang="ko-KR" sz="1000" dirty="0" err="1">
+                <a:solidFill>
+                  <a:srgbClr val="61AFEF"/>
+                </a:solidFill>
+                <a:latin typeface="dm"/>
+              </a:rPr>
+              <a:t>createElement</a:t>
+            </a:r>
+            <a:r>
+              <a:rPr lang="en-US" altLang="ko-KR" sz="1000" dirty="0">
+                <a:solidFill>
+                  <a:srgbClr val="ABB2BF"/>
+                </a:solidFill>
+                <a:latin typeface="dm"/>
+              </a:rPr>
+              <a:t>(</a:t>
+            </a:r>
+            <a:r>
+              <a:rPr lang="en-US" altLang="ko-KR" sz="1000" dirty="0">
+                <a:solidFill>
+                  <a:srgbClr val="98C379"/>
+                </a:solidFill>
+                <a:latin typeface="dm"/>
+              </a:rPr>
+              <a:t>"div"</a:t>
+            </a:r>
+            <a:r>
+              <a:rPr lang="en-US" altLang="ko-KR" sz="1000" dirty="0">
+                <a:solidFill>
+                  <a:srgbClr val="ABB2BF"/>
+                </a:solidFill>
+                <a:latin typeface="dm"/>
+              </a:rPr>
+              <a:t>,</a:t>
+            </a:r>
+            <a:r>
+              <a:rPr lang="en-US" altLang="ko-KR" sz="1000" dirty="0">
+                <a:solidFill>
+                  <a:srgbClr val="999999"/>
+                </a:solidFill>
+                <a:latin typeface="dm"/>
+              </a:rPr>
+              <a:t> </a:t>
+            </a:r>
+            <a:r>
+              <a:rPr lang="en-US" altLang="ko-KR" sz="1000" dirty="0">
+                <a:solidFill>
+                  <a:srgbClr val="D19A66"/>
+                </a:solidFill>
+                <a:latin typeface="dm"/>
+              </a:rPr>
+              <a:t>null</a:t>
+            </a:r>
+            <a:r>
+              <a:rPr lang="en-US" altLang="ko-KR" sz="1000" dirty="0">
+                <a:solidFill>
+                  <a:srgbClr val="ABB2BF"/>
+                </a:solidFill>
+                <a:latin typeface="dm"/>
+              </a:rPr>
+              <a:t>,</a:t>
+            </a:r>
+            <a:r>
+              <a:rPr lang="en-US" altLang="ko-KR" sz="1000" dirty="0">
+                <a:solidFill>
+                  <a:srgbClr val="999999"/>
+                </a:solidFill>
+                <a:latin typeface="dm"/>
+              </a:rPr>
+              <a:t> </a:t>
+            </a:r>
+            <a:r>
+              <a:rPr lang="en-US" altLang="ko-KR" sz="1000" dirty="0">
+                <a:solidFill>
+                  <a:srgbClr val="98C379"/>
+                </a:solidFill>
+                <a:latin typeface="dm"/>
+              </a:rPr>
+              <a:t>"Hello"</a:t>
+            </a:r>
+            <a:r>
+              <a:rPr lang="en-US" altLang="ko-KR" sz="1000" dirty="0">
+                <a:solidFill>
+                  <a:srgbClr val="ABB2BF"/>
+                </a:solidFill>
+                <a:latin typeface="dm"/>
+              </a:rPr>
+              <a:t>,</a:t>
+            </a:r>
+            <a:r>
+              <a:rPr lang="en-US" altLang="ko-KR" sz="1000" dirty="0">
+                <a:solidFill>
+                  <a:srgbClr val="999999"/>
+                </a:solidFill>
+                <a:latin typeface="dm"/>
+              </a:rPr>
+              <a:t> </a:t>
+            </a:r>
+            <a:r>
+              <a:rPr lang="en-US" altLang="ko-KR" sz="1000" dirty="0" err="1">
+                <a:solidFill>
+                  <a:srgbClr val="ABB2BF"/>
+                </a:solidFill>
+                <a:latin typeface="dm"/>
+              </a:rPr>
+              <a:t>React,</a:t>
+            </a:r>
+            <a:r>
+              <a:rPr lang="en-US" altLang="ko-KR" sz="1000" dirty="0" err="1">
+                <a:solidFill>
+                  <a:srgbClr val="61AFEF"/>
+                </a:solidFill>
+                <a:latin typeface="dm"/>
+              </a:rPr>
+              <a:t>createElement</a:t>
+            </a:r>
+            <a:r>
+              <a:rPr lang="en-US" altLang="ko-KR" sz="1000" dirty="0">
+                <a:solidFill>
+                  <a:srgbClr val="ABB2BF"/>
+                </a:solidFill>
+                <a:latin typeface="dm"/>
+              </a:rPr>
+              <a:t>(</a:t>
+            </a:r>
+            <a:r>
+              <a:rPr lang="en-US" altLang="ko-KR" sz="1000" dirty="0">
+                <a:solidFill>
+                  <a:srgbClr val="98C379"/>
+                </a:solidFill>
+                <a:latin typeface="dm"/>
+              </a:rPr>
+              <a:t>"b"</a:t>
+            </a:r>
+            <a:r>
+              <a:rPr lang="en-US" altLang="ko-KR" sz="1000" dirty="0">
+                <a:solidFill>
+                  <a:srgbClr val="ABB2BF"/>
+                </a:solidFill>
+                <a:latin typeface="dm"/>
+              </a:rPr>
+              <a:t>,</a:t>
+            </a:r>
+            <a:r>
+              <a:rPr lang="en-US" altLang="ko-KR" sz="1000" dirty="0">
+                <a:solidFill>
+                  <a:srgbClr val="999999"/>
+                </a:solidFill>
+                <a:latin typeface="dm"/>
+              </a:rPr>
+              <a:t> </a:t>
+            </a:r>
+            <a:r>
+              <a:rPr lang="en-US" altLang="ko-KR" sz="1000" dirty="0">
+                <a:solidFill>
+                  <a:srgbClr val="D19A66"/>
+                </a:solidFill>
+                <a:latin typeface="dm"/>
+              </a:rPr>
+              <a:t>null</a:t>
+            </a:r>
+            <a:r>
+              <a:rPr lang="en-US" altLang="ko-KR" sz="1000" dirty="0">
+                <a:solidFill>
+                  <a:srgbClr val="ABB2BF"/>
+                </a:solidFill>
+                <a:latin typeface="dm"/>
+              </a:rPr>
+              <a:t>,</a:t>
+            </a:r>
+            <a:r>
+              <a:rPr lang="en-US" altLang="ko-KR" sz="1000" dirty="0">
+                <a:solidFill>
+                  <a:srgbClr val="999999"/>
+                </a:solidFill>
+                <a:latin typeface="dm"/>
+              </a:rPr>
+              <a:t> </a:t>
+            </a:r>
+            <a:r>
+              <a:rPr lang="en-US" altLang="ko-KR" sz="1000" dirty="0">
+                <a:solidFill>
+                  <a:srgbClr val="98C379"/>
+                </a:solidFill>
+                <a:latin typeface="dm"/>
+              </a:rPr>
+              <a:t>"react"</a:t>
+            </a:r>
+            <a:r>
+              <a:rPr lang="en-US" altLang="ko-KR" sz="1000" dirty="0">
+                <a:solidFill>
+                  <a:srgbClr val="ABB2BF"/>
+                </a:solidFill>
+                <a:latin typeface="dm"/>
+              </a:rPr>
+              <a:t>));</a:t>
+            </a:r>
+            <a:endParaRPr lang="en-US" altLang="ko-KR" sz="1000" dirty="0">
+              <a:solidFill>
+                <a:srgbClr val="999999"/>
+              </a:solidFill>
+              <a:latin typeface="dm"/>
+            </a:endParaRPr>
+          </a:p>
+          <a:p>
+            <a:r>
+              <a:rPr lang="en-US" altLang="ko-KR" sz="1400" dirty="0">
+                <a:solidFill>
+                  <a:srgbClr val="ABB2BF"/>
+                </a:solidFill>
+                <a:latin typeface="dm"/>
+              </a:rPr>
+              <a:t>}</a:t>
+            </a:r>
+            <a:endParaRPr lang="en-US" altLang="ko-KR" sz="1400" b="0" dirty="0">
+              <a:solidFill>
+                <a:srgbClr val="999999"/>
+              </a:solidFill>
+              <a:effectLst/>
+              <a:latin typeface="dm"/>
+            </a:endParaRPr>
+          </a:p>
+        </p:txBody>
+      </p:sp>
+      <p:cxnSp>
+        <p:nvCxnSpPr>
+          <p:cNvPr id="7" name="직선 화살표 연결선 6">
+            <a:extLst>
+              <a:ext uri="{FF2B5EF4-FFF2-40B4-BE49-F238E27FC236}">
+                <a16:creationId xmlns:a16="http://schemas.microsoft.com/office/drawing/2014/main" id="{E2594C6A-E736-4D0A-9052-934A2DD61D17}"/>
+              </a:ext>
+            </a:extLst>
+          </p:cNvPr>
+          <p:cNvCxnSpPr/>
+          <p:nvPr/>
+        </p:nvCxnSpPr>
+        <p:spPr>
+          <a:xfrm>
+            <a:off x="5139655" y="4797000"/>
+            <a:ext cx="956345" cy="0"/>
+          </a:xfrm>
+          <a:prstGeom prst="straightConnector1">
+            <a:avLst/>
+          </a:prstGeom>
+          <a:ln w="76200">
+            <a:tailEnd type="triangle"/>
+          </a:ln>
+        </p:spPr>
+        <p:style>
+          <a:lnRef idx="1">
+            <a:schemeClr val="accent1"/>
+          </a:lnRef>
+          <a:fillRef idx="0">
+            <a:schemeClr val="accent1"/>
+          </a:fillRef>
+          <a:effectRef idx="0">
+            <a:schemeClr val="accent1"/>
+          </a:effectRef>
+          <a:fontRef idx="minor">
+            <a:schemeClr val="tx1"/>
+          </a:fontRef>
+        </p:style>
+      </p:cxnSp>
+    </p:spTree>
+    <p:extLst>
+      <p:ext uri="{BB962C8B-B14F-4D97-AF65-F5344CB8AC3E}">
+        <p14:creationId xmlns:p14="http://schemas.microsoft.com/office/powerpoint/2010/main" val="1536008217"/>
+      </p:ext>
+    </p:extLst>
+  </p:cSld>
+  <p:clrMapOvr>
+    <a:masterClrMapping/>
+  </p:clrMapOvr>
+</p:sld>
+</file>
+
+<file path=ppt/slides/slide13.xml><?xml version="1.0" encoding="utf-8"?>
+<p:sld xmlns:a="http://schemas.openxmlformats.org/drawingml/2006/main" xmlns:r="http://schemas.openxmlformats.org/officeDocument/2006/relationships" xmlns:p="http://schemas.openxmlformats.org/presentationml/2006/main">
+  <p:cSld>
+    <p:spTree>
+      <p:nvGrpSpPr>
+        <p:cNvPr id="1" name=""/>
+        <p:cNvGrpSpPr/>
+        <p:nvPr/>
+      </p:nvGrpSpPr>
+      <p:grpSpPr>
+        <a:xfrm>
+          <a:off x="0" y="0"/>
+          <a:ext cx="0" cy="0"/>
+          <a:chOff x="0" y="0"/>
+          <a:chExt cx="0" cy="0"/>
+        </a:xfrm>
+      </p:grpSpPr>
+      <p:sp>
+        <p:nvSpPr>
+          <p:cNvPr id="3" name="내용 개체 틀 2">
+            <a:extLst>
+              <a:ext uri="{FF2B5EF4-FFF2-40B4-BE49-F238E27FC236}">
+                <a16:creationId xmlns:a16="http://schemas.microsoft.com/office/drawing/2014/main" id="{727BF856-5CDE-4B65-96FE-3290479E7C6B}"/>
+              </a:ext>
+            </a:extLst>
+          </p:cNvPr>
+          <p:cNvSpPr>
+            <a:spLocks noGrp="1"/>
+          </p:cNvSpPr>
+          <p:nvPr>
+            <p:ph idx="1"/>
+          </p:nvPr>
+        </p:nvSpPr>
+        <p:spPr/>
+        <p:txBody>
+          <a:bodyPr/>
+          <a:lstStyle/>
+          <a:p>
+            <a:r>
+              <a:rPr lang="en-US" altLang="ko-KR" dirty="0"/>
+              <a:t>JSX</a:t>
+            </a:r>
+            <a:r>
+              <a:rPr lang="ko-KR" altLang="en-US" dirty="0"/>
+              <a:t>는 공식적인 자바스크립트 문법이 아니고 바벨에서는 여러 문법을 지원 할 수 있도록 </a:t>
+            </a:r>
+            <a:r>
+              <a:rPr lang="en-US" altLang="ko-KR" dirty="0"/>
+              <a:t>preset </a:t>
+            </a:r>
+            <a:r>
+              <a:rPr lang="ko-KR" altLang="en-US" dirty="0"/>
+              <a:t>및 </a:t>
+            </a:r>
+            <a:r>
+              <a:rPr lang="en-US" altLang="ko-KR" dirty="0"/>
+              <a:t>plugin</a:t>
+            </a:r>
+            <a:r>
+              <a:rPr lang="ko-KR" altLang="en-US" dirty="0"/>
+              <a:t>을 설정합니다</a:t>
+            </a:r>
+            <a:r>
+              <a:rPr lang="en-US" altLang="ko-KR" dirty="0"/>
+              <a:t>.</a:t>
+            </a:r>
+          </a:p>
+          <a:p>
+            <a:r>
+              <a:rPr lang="ko-KR" altLang="en-US" dirty="0"/>
+              <a:t>바벨을 통해 개발자들이 임의로 만든 문법</a:t>
+            </a:r>
+            <a:r>
+              <a:rPr lang="en-US" altLang="ko-KR" dirty="0"/>
+              <a:t>, </a:t>
+            </a:r>
+            <a:r>
+              <a:rPr lang="ko-KR" altLang="en-US" dirty="0"/>
+              <a:t>혹은 자기 자바스크립트의 문법을 사용할 수 있습니다</a:t>
+            </a:r>
+            <a:r>
+              <a:rPr lang="en-US" altLang="ko-KR" dirty="0"/>
+              <a:t>.</a:t>
+            </a:r>
+          </a:p>
+        </p:txBody>
+      </p:sp>
+      <p:sp>
+        <p:nvSpPr>
+          <p:cNvPr id="4" name="제목 1">
+            <a:extLst>
+              <a:ext uri="{FF2B5EF4-FFF2-40B4-BE49-F238E27FC236}">
+                <a16:creationId xmlns:a16="http://schemas.microsoft.com/office/drawing/2014/main" id="{310C105E-E2A9-4D5B-AD18-87D7F0E2F2D5}"/>
+              </a:ext>
+            </a:extLst>
+          </p:cNvPr>
+          <p:cNvSpPr>
+            <a:spLocks noGrp="1"/>
+          </p:cNvSpPr>
+          <p:nvPr>
+            <p:ph type="title"/>
+          </p:nvPr>
+        </p:nvSpPr>
+        <p:spPr>
+          <a:xfrm>
+            <a:off x="838200" y="365125"/>
+            <a:ext cx="10515600" cy="1325563"/>
+          </a:xfrm>
+        </p:spPr>
+        <p:txBody>
+          <a:bodyPr/>
+          <a:lstStyle/>
+          <a:p>
+            <a:r>
+              <a:rPr lang="en-US" altLang="ko-KR" dirty="0"/>
+              <a:t>JSX</a:t>
+            </a:r>
+            <a:r>
+              <a:rPr lang="ko-KR" altLang="en-US" dirty="0"/>
+              <a:t>는 자바스크립트 문법인가</a:t>
+            </a:r>
+            <a:r>
+              <a:rPr lang="en-US" altLang="ko-KR" dirty="0"/>
+              <a:t>?</a:t>
+            </a:r>
+            <a:r>
+              <a:rPr lang="ko-KR" altLang="en-US" dirty="0"/>
+              <a:t> </a:t>
+            </a:r>
           </a:p>
         </p:txBody>
       </p:sp>
     </p:spTree>
     <p:extLst>
       <p:ext uri="{BB962C8B-B14F-4D97-AF65-F5344CB8AC3E}">
-        <p14:creationId xmlns:p14="http://schemas.microsoft.com/office/powerpoint/2010/main" val="1536008217"/>
+        <p14:creationId xmlns:p14="http://schemas.microsoft.com/office/powerpoint/2010/main" val="3563910035"/>
+      </p:ext>
+    </p:extLst>
+  </p:cSld>
+  <p:clrMapOvr>
+    <a:masterClrMapping/>
+  </p:clrMapOvr>
+</p:sld>
+</file>
+
+<file path=ppt/slides/slide14.xml><?xml version="1.0" encoding="utf-8"?>
+<p:sld xmlns:a="http://schemas.openxmlformats.org/drawingml/2006/main" xmlns:r="http://schemas.openxmlformats.org/officeDocument/2006/relationships" xmlns:p="http://schemas.openxmlformats.org/presentationml/2006/main">
+  <p:cSld>
+    <p:spTree>
+      <p:nvGrpSpPr>
+        <p:cNvPr id="1" name=""/>
+        <p:cNvGrpSpPr/>
+        <p:nvPr/>
+      </p:nvGrpSpPr>
+      <p:grpSpPr>
+        <a:xfrm>
+          <a:off x="0" y="0"/>
+          <a:ext cx="0" cy="0"/>
+          <a:chOff x="0" y="0"/>
+          <a:chExt cx="0" cy="0"/>
+        </a:xfrm>
+      </p:grpSpPr>
+      <p:sp>
+        <p:nvSpPr>
+          <p:cNvPr id="2" name="제목 1">
+            <a:extLst>
+              <a:ext uri="{FF2B5EF4-FFF2-40B4-BE49-F238E27FC236}">
+                <a16:creationId xmlns:a16="http://schemas.microsoft.com/office/drawing/2014/main" id="{3C45365D-9CC0-4358-9A52-B9E8BFBB9FAA}"/>
+              </a:ext>
+            </a:extLst>
+          </p:cNvPr>
+          <p:cNvSpPr>
+            <a:spLocks noGrp="1"/>
+          </p:cNvSpPr>
+          <p:nvPr>
+            <p:ph type="title"/>
+          </p:nvPr>
+        </p:nvSpPr>
+        <p:spPr/>
+        <p:txBody>
+          <a:bodyPr/>
+          <a:lstStyle/>
+          <a:p>
+            <a:r>
+              <a:rPr lang="en-US" altLang="ko-KR" dirty="0"/>
+              <a:t>JSX</a:t>
+            </a:r>
+            <a:r>
+              <a:rPr lang="ko-KR" altLang="en-US" dirty="0"/>
+              <a:t> 장점</a:t>
+            </a:r>
+          </a:p>
+        </p:txBody>
+      </p:sp>
+      <p:sp>
+        <p:nvSpPr>
+          <p:cNvPr id="3" name="내용 개체 틀 2">
+            <a:extLst>
+              <a:ext uri="{FF2B5EF4-FFF2-40B4-BE49-F238E27FC236}">
+                <a16:creationId xmlns:a16="http://schemas.microsoft.com/office/drawing/2014/main" id="{32EED140-A2CF-477C-A8C2-8E9E7C892349}"/>
+              </a:ext>
+            </a:extLst>
+          </p:cNvPr>
+          <p:cNvSpPr>
+            <a:spLocks noGrp="1"/>
+          </p:cNvSpPr>
+          <p:nvPr>
+            <p:ph idx="1"/>
+          </p:nvPr>
+        </p:nvSpPr>
+        <p:spPr/>
+        <p:txBody>
+          <a:bodyPr/>
+          <a:lstStyle/>
+          <a:p>
+            <a:r>
+              <a:rPr lang="ko-KR" altLang="en-US" dirty="0"/>
+              <a:t>보기 익숙하다</a:t>
+            </a:r>
+            <a:r>
+              <a:rPr lang="en-US" altLang="ko-KR" dirty="0"/>
+              <a:t>.</a:t>
+            </a:r>
+          </a:p>
+          <a:p>
+            <a:r>
+              <a:rPr lang="ko-KR" altLang="en-US" dirty="0"/>
+              <a:t>더욱 높은 활용도</a:t>
+            </a:r>
+          </a:p>
+        </p:txBody>
+      </p:sp>
+    </p:spTree>
+    <p:extLst>
+      <p:ext uri="{BB962C8B-B14F-4D97-AF65-F5344CB8AC3E}">
+        <p14:creationId xmlns:p14="http://schemas.microsoft.com/office/powerpoint/2010/main" val="813013125"/>
+      </p:ext>
+    </p:extLst>
+  </p:cSld>
+  <p:clrMapOvr>
+    <a:masterClrMapping/>
+  </p:clrMapOvr>
+</p:sld>
+</file>
+
+<file path=ppt/slides/slide15.xml><?xml version="1.0" encoding="utf-8"?>
+<p:sld xmlns:a="http://schemas.openxmlformats.org/drawingml/2006/main" xmlns:r="http://schemas.openxmlformats.org/officeDocument/2006/relationships" xmlns:p="http://schemas.openxmlformats.org/presentationml/2006/main">
+  <p:cSld>
+    <p:spTree>
+      <p:nvGrpSpPr>
+        <p:cNvPr id="1" name=""/>
+        <p:cNvGrpSpPr/>
+        <p:nvPr/>
+      </p:nvGrpSpPr>
+      <p:grpSpPr>
+        <a:xfrm>
+          <a:off x="0" y="0"/>
+          <a:ext cx="0" cy="0"/>
+          <a:chOff x="0" y="0"/>
+          <a:chExt cx="0" cy="0"/>
+        </a:xfrm>
+      </p:grpSpPr>
+      <p:sp>
+        <p:nvSpPr>
+          <p:cNvPr id="2" name="제목 1">
+            <a:extLst>
+              <a:ext uri="{FF2B5EF4-FFF2-40B4-BE49-F238E27FC236}">
+                <a16:creationId xmlns:a16="http://schemas.microsoft.com/office/drawing/2014/main" id="{AFEC8701-46E8-4EA2-B460-35ED068AE5CE}"/>
+              </a:ext>
+            </a:extLst>
+          </p:cNvPr>
+          <p:cNvSpPr>
+            <a:spLocks noGrp="1"/>
+          </p:cNvSpPr>
+          <p:nvPr>
+            <p:ph type="title"/>
+          </p:nvPr>
+        </p:nvSpPr>
+        <p:spPr/>
+        <p:txBody>
+          <a:bodyPr/>
+          <a:lstStyle/>
+          <a:p>
+            <a:r>
+              <a:rPr lang="en-US" altLang="ko-KR" dirty="0"/>
+              <a:t>JSX</a:t>
+            </a:r>
+            <a:r>
+              <a:rPr lang="ko-KR" altLang="en-US" dirty="0"/>
+              <a:t> 문법</a:t>
+            </a:r>
+          </a:p>
+        </p:txBody>
+      </p:sp>
+      <p:sp>
+        <p:nvSpPr>
+          <p:cNvPr id="3" name="내용 개체 틀 2">
+            <a:extLst>
+              <a:ext uri="{FF2B5EF4-FFF2-40B4-BE49-F238E27FC236}">
+                <a16:creationId xmlns:a16="http://schemas.microsoft.com/office/drawing/2014/main" id="{058BAACA-81F5-44BE-9516-C635F33EE7B0}"/>
+              </a:ext>
+            </a:extLst>
+          </p:cNvPr>
+          <p:cNvSpPr>
+            <a:spLocks noGrp="1"/>
+          </p:cNvSpPr>
+          <p:nvPr>
+            <p:ph idx="1"/>
+          </p:nvPr>
+        </p:nvSpPr>
+        <p:spPr/>
+        <p:txBody>
+          <a:bodyPr/>
+          <a:lstStyle/>
+          <a:p>
+            <a:r>
+              <a:rPr lang="ko-KR" altLang="en-US" dirty="0"/>
+              <a:t>컴포넌트에 여러 요소가 있다면 반드시 부모 요소 하나로 </a:t>
+            </a:r>
+            <a:r>
+              <a:rPr lang="ko-KR" altLang="en-US" dirty="0" err="1"/>
+              <a:t>감싸야합니다</a:t>
+            </a:r>
+            <a:r>
+              <a:rPr lang="en-US" altLang="ko-KR" dirty="0"/>
+              <a:t>.</a:t>
+            </a:r>
+          </a:p>
+          <a:p>
+            <a:r>
+              <a:rPr lang="ko-KR" altLang="en-US" dirty="0"/>
+              <a:t>부모를 반드시 필요로 하다면 </a:t>
+            </a:r>
+            <a:r>
+              <a:rPr lang="en-US" altLang="ko-KR" dirty="0"/>
+              <a:t>fragment</a:t>
+            </a:r>
+            <a:r>
+              <a:rPr lang="ko-KR" altLang="en-US" dirty="0"/>
+              <a:t>를 </a:t>
+            </a:r>
+            <a:r>
+              <a:rPr lang="ko-KR" altLang="en-US" dirty="0" err="1"/>
+              <a:t>사용하면됨</a:t>
+            </a:r>
+            <a:r>
+              <a:rPr lang="en-US" altLang="ko-KR" dirty="0"/>
+              <a:t>.</a:t>
+            </a:r>
+          </a:p>
+          <a:p>
+            <a:r>
+              <a:rPr lang="en-US" altLang="ko-KR" dirty="0"/>
+              <a:t>&lt;&gt;</a:t>
+            </a:r>
+            <a:r>
+              <a:rPr lang="ko-KR" altLang="en-US" dirty="0"/>
+              <a:t>태그를 써서 </a:t>
+            </a:r>
+            <a:r>
+              <a:rPr lang="en-US" altLang="ko-KR" dirty="0"/>
+              <a:t>fragment</a:t>
+            </a:r>
+            <a:r>
+              <a:rPr lang="ko-KR" altLang="en-US" dirty="0"/>
+              <a:t>를 </a:t>
+            </a:r>
+            <a:r>
+              <a:rPr lang="ko-KR" altLang="en-US" dirty="0" err="1"/>
+              <a:t>생략할수있음</a:t>
+            </a:r>
+            <a:r>
+              <a:rPr lang="en-US" altLang="ko-KR" dirty="0"/>
+              <a:t>.</a:t>
+            </a:r>
+          </a:p>
+        </p:txBody>
+      </p:sp>
+      <p:sp>
+        <p:nvSpPr>
+          <p:cNvPr id="4" name="직사각형 3">
+            <a:extLst>
+              <a:ext uri="{FF2B5EF4-FFF2-40B4-BE49-F238E27FC236}">
+                <a16:creationId xmlns:a16="http://schemas.microsoft.com/office/drawing/2014/main" id="{3A7AE5AE-C77E-4FE3-A0DA-B2196D405A55}"/>
+              </a:ext>
+            </a:extLst>
+          </p:cNvPr>
+          <p:cNvSpPr/>
+          <p:nvPr/>
+        </p:nvSpPr>
+        <p:spPr>
+          <a:xfrm>
+            <a:off x="497747" y="3864795"/>
+            <a:ext cx="3369578" cy="1477328"/>
+          </a:xfrm>
+          <a:prstGeom prst="rect">
+            <a:avLst/>
+          </a:prstGeom>
+        </p:spPr>
+        <p:txBody>
+          <a:bodyPr wrap="square">
+            <a:spAutoFit/>
+          </a:bodyPr>
+          <a:lstStyle/>
+          <a:p>
+            <a:br>
+              <a:rPr lang="en-US" altLang="ko-KR" dirty="0">
+                <a:solidFill>
+                  <a:srgbClr val="999999"/>
+                </a:solidFill>
+                <a:latin typeface="dm"/>
+              </a:rPr>
+            </a:br>
+            <a:r>
+              <a:rPr lang="en-US" altLang="ko-KR" dirty="0">
+                <a:solidFill>
+                  <a:srgbClr val="ABB2BF"/>
+                </a:solidFill>
+                <a:latin typeface="dm"/>
+              </a:rPr>
+              <a:t>&lt;</a:t>
+            </a:r>
+            <a:r>
+              <a:rPr lang="en-US" altLang="ko-KR" dirty="0">
+                <a:solidFill>
+                  <a:srgbClr val="E5C07B"/>
+                </a:solidFill>
+                <a:latin typeface="dm"/>
+              </a:rPr>
+              <a:t>Fragment</a:t>
+            </a:r>
+            <a:r>
+              <a:rPr lang="en-US" altLang="ko-KR" dirty="0">
+                <a:solidFill>
+                  <a:srgbClr val="ABB2BF"/>
+                </a:solidFill>
+                <a:latin typeface="dm"/>
+              </a:rPr>
+              <a:t>&gt;</a:t>
+            </a:r>
+            <a:endParaRPr lang="en-US" altLang="ko-KR" dirty="0">
+              <a:solidFill>
+                <a:srgbClr val="999999"/>
+              </a:solidFill>
+              <a:latin typeface="dm"/>
+            </a:endParaRPr>
+          </a:p>
+          <a:p>
+            <a:pPr lvl="1"/>
+            <a:r>
+              <a:rPr lang="en-US" altLang="ko-KR" dirty="0">
+                <a:solidFill>
+                  <a:srgbClr val="ABB2BF"/>
+                </a:solidFill>
+                <a:latin typeface="dm"/>
+              </a:rPr>
+              <a:t>&lt;</a:t>
+            </a:r>
+            <a:r>
+              <a:rPr lang="en-US" altLang="ko-KR" dirty="0">
+                <a:solidFill>
+                  <a:srgbClr val="E06C75"/>
+                </a:solidFill>
+                <a:latin typeface="dm"/>
+              </a:rPr>
+              <a:t>h1</a:t>
+            </a:r>
+            <a:r>
+              <a:rPr lang="en-US" altLang="ko-KR" dirty="0">
+                <a:solidFill>
+                  <a:srgbClr val="ABB2BF"/>
+                </a:solidFill>
+                <a:latin typeface="dm"/>
+              </a:rPr>
+              <a:t>&gt;</a:t>
+            </a:r>
+            <a:r>
+              <a:rPr lang="ko-KR" altLang="en-US" dirty="0" err="1">
+                <a:solidFill>
+                  <a:srgbClr val="ABB2BF"/>
+                </a:solidFill>
+                <a:latin typeface="dm"/>
+              </a:rPr>
+              <a:t>리액트</a:t>
+            </a:r>
+            <a:r>
+              <a:rPr lang="ko-KR" altLang="en-US" dirty="0">
+                <a:solidFill>
+                  <a:srgbClr val="ABB2BF"/>
+                </a:solidFill>
+                <a:latin typeface="dm"/>
+              </a:rPr>
+              <a:t> 안녕</a:t>
+            </a:r>
+            <a:r>
+              <a:rPr lang="en-US" altLang="ko-KR" dirty="0">
+                <a:solidFill>
+                  <a:srgbClr val="ABB2BF"/>
+                </a:solidFill>
+                <a:latin typeface="dm"/>
+              </a:rPr>
+              <a:t>!&lt;/</a:t>
+            </a:r>
+            <a:r>
+              <a:rPr lang="en-US" altLang="ko-KR" dirty="0">
+                <a:solidFill>
+                  <a:srgbClr val="E06C75"/>
+                </a:solidFill>
+                <a:latin typeface="dm"/>
+              </a:rPr>
+              <a:t>h1</a:t>
+            </a:r>
+            <a:r>
+              <a:rPr lang="en-US" altLang="ko-KR" dirty="0">
+                <a:solidFill>
+                  <a:srgbClr val="ABB2BF"/>
+                </a:solidFill>
+                <a:latin typeface="dm"/>
+              </a:rPr>
+              <a:t>&gt;</a:t>
+            </a:r>
+            <a:endParaRPr lang="en-US" altLang="ko-KR" dirty="0">
+              <a:solidFill>
+                <a:srgbClr val="999999"/>
+              </a:solidFill>
+              <a:latin typeface="dm"/>
+            </a:endParaRPr>
+          </a:p>
+          <a:p>
+            <a:pPr lvl="1"/>
+            <a:r>
+              <a:rPr lang="en-US" altLang="ko-KR" dirty="0">
+                <a:solidFill>
+                  <a:srgbClr val="ABB2BF"/>
+                </a:solidFill>
+                <a:latin typeface="dm"/>
+              </a:rPr>
+              <a:t>&lt;</a:t>
+            </a:r>
+            <a:r>
+              <a:rPr lang="en-US" altLang="ko-KR" dirty="0">
+                <a:solidFill>
+                  <a:srgbClr val="E06C75"/>
+                </a:solidFill>
+                <a:latin typeface="dm"/>
+              </a:rPr>
+              <a:t>h2</a:t>
+            </a:r>
+            <a:r>
+              <a:rPr lang="en-US" altLang="ko-KR" dirty="0">
+                <a:solidFill>
+                  <a:srgbClr val="ABB2BF"/>
+                </a:solidFill>
+                <a:latin typeface="dm"/>
+              </a:rPr>
+              <a:t>&gt;</a:t>
+            </a:r>
+            <a:r>
+              <a:rPr lang="ko-KR" altLang="en-US" dirty="0">
+                <a:solidFill>
+                  <a:srgbClr val="ABB2BF"/>
+                </a:solidFill>
+                <a:latin typeface="dm"/>
+              </a:rPr>
+              <a:t>잘 작동하니</a:t>
+            </a:r>
+            <a:r>
+              <a:rPr lang="en-US" altLang="ko-KR" dirty="0">
+                <a:solidFill>
+                  <a:srgbClr val="ABB2BF"/>
+                </a:solidFill>
+                <a:latin typeface="dm"/>
+              </a:rPr>
+              <a:t>?&lt;/</a:t>
+            </a:r>
+            <a:r>
+              <a:rPr lang="en-US" altLang="ko-KR" dirty="0">
+                <a:solidFill>
+                  <a:srgbClr val="E06C75"/>
+                </a:solidFill>
+                <a:latin typeface="dm"/>
+              </a:rPr>
+              <a:t>h2</a:t>
+            </a:r>
+            <a:r>
+              <a:rPr lang="en-US" altLang="ko-KR" dirty="0">
+                <a:solidFill>
+                  <a:srgbClr val="ABB2BF"/>
+                </a:solidFill>
+                <a:latin typeface="dm"/>
+              </a:rPr>
+              <a:t>&gt;</a:t>
+            </a:r>
+            <a:endParaRPr lang="en-US" altLang="ko-KR" dirty="0">
+              <a:solidFill>
+                <a:srgbClr val="999999"/>
+              </a:solidFill>
+              <a:latin typeface="dm"/>
+            </a:endParaRPr>
+          </a:p>
+          <a:p>
+            <a:r>
+              <a:rPr lang="en-US" altLang="ko-KR" dirty="0">
+                <a:solidFill>
+                  <a:srgbClr val="ABB2BF"/>
+                </a:solidFill>
+                <a:latin typeface="dm"/>
+              </a:rPr>
+              <a:t>&lt;/</a:t>
+            </a:r>
+            <a:r>
+              <a:rPr lang="en-US" altLang="ko-KR" dirty="0">
+                <a:solidFill>
+                  <a:srgbClr val="E5C07B"/>
+                </a:solidFill>
+                <a:latin typeface="dm"/>
+              </a:rPr>
+              <a:t>Fragment</a:t>
+            </a:r>
+            <a:r>
+              <a:rPr lang="en-US" altLang="ko-KR" dirty="0">
+                <a:solidFill>
+                  <a:srgbClr val="ABB2BF"/>
+                </a:solidFill>
+                <a:latin typeface="dm"/>
+              </a:rPr>
+              <a:t>&gt;</a:t>
+            </a:r>
+            <a:endParaRPr lang="en-US" altLang="ko-KR" b="0" dirty="0">
+              <a:solidFill>
+                <a:srgbClr val="999999"/>
+              </a:solidFill>
+              <a:effectLst/>
+              <a:latin typeface="dm"/>
+            </a:endParaRPr>
+          </a:p>
+        </p:txBody>
+      </p:sp>
+      <p:sp>
+        <p:nvSpPr>
+          <p:cNvPr id="5" name="직사각형 4">
+            <a:extLst>
+              <a:ext uri="{FF2B5EF4-FFF2-40B4-BE49-F238E27FC236}">
+                <a16:creationId xmlns:a16="http://schemas.microsoft.com/office/drawing/2014/main" id="{BA25E30D-CC43-4BCF-A133-2AB3C46F7A0E}"/>
+              </a:ext>
+            </a:extLst>
+          </p:cNvPr>
+          <p:cNvSpPr/>
+          <p:nvPr/>
+        </p:nvSpPr>
+        <p:spPr>
+          <a:xfrm>
+            <a:off x="6638488" y="3864795"/>
+            <a:ext cx="3369578" cy="1477328"/>
+          </a:xfrm>
+          <a:prstGeom prst="rect">
+            <a:avLst/>
+          </a:prstGeom>
+        </p:spPr>
+        <p:txBody>
+          <a:bodyPr wrap="square">
+            <a:spAutoFit/>
+          </a:bodyPr>
+          <a:lstStyle/>
+          <a:p>
+            <a:br>
+              <a:rPr lang="en-US" altLang="ko-KR" dirty="0">
+                <a:solidFill>
+                  <a:srgbClr val="999999"/>
+                </a:solidFill>
+                <a:latin typeface="dm"/>
+              </a:rPr>
+            </a:br>
+            <a:r>
+              <a:rPr lang="en-US" altLang="ko-KR" dirty="0">
+                <a:solidFill>
+                  <a:srgbClr val="ABB2BF"/>
+                </a:solidFill>
+                <a:latin typeface="dm"/>
+              </a:rPr>
+              <a:t>&lt;&gt;</a:t>
+            </a:r>
+            <a:endParaRPr lang="en-US" altLang="ko-KR" dirty="0">
+              <a:solidFill>
+                <a:srgbClr val="999999"/>
+              </a:solidFill>
+              <a:latin typeface="dm"/>
+            </a:endParaRPr>
+          </a:p>
+          <a:p>
+            <a:pPr lvl="1"/>
+            <a:r>
+              <a:rPr lang="en-US" altLang="ko-KR" dirty="0">
+                <a:solidFill>
+                  <a:srgbClr val="ABB2BF"/>
+                </a:solidFill>
+                <a:latin typeface="dm"/>
+              </a:rPr>
+              <a:t>&lt;</a:t>
+            </a:r>
+            <a:r>
+              <a:rPr lang="en-US" altLang="ko-KR" dirty="0">
+                <a:solidFill>
+                  <a:srgbClr val="E06C75"/>
+                </a:solidFill>
+                <a:latin typeface="dm"/>
+              </a:rPr>
+              <a:t>h1</a:t>
+            </a:r>
+            <a:r>
+              <a:rPr lang="en-US" altLang="ko-KR" dirty="0">
+                <a:solidFill>
+                  <a:srgbClr val="ABB2BF"/>
+                </a:solidFill>
+                <a:latin typeface="dm"/>
+              </a:rPr>
+              <a:t>&gt;</a:t>
+            </a:r>
+            <a:r>
+              <a:rPr lang="ko-KR" altLang="en-US" dirty="0" err="1">
+                <a:solidFill>
+                  <a:srgbClr val="ABB2BF"/>
+                </a:solidFill>
+                <a:latin typeface="dm"/>
+              </a:rPr>
+              <a:t>리액트</a:t>
+            </a:r>
+            <a:r>
+              <a:rPr lang="ko-KR" altLang="en-US" dirty="0">
+                <a:solidFill>
+                  <a:srgbClr val="ABB2BF"/>
+                </a:solidFill>
+                <a:latin typeface="dm"/>
+              </a:rPr>
+              <a:t> 안녕</a:t>
+            </a:r>
+            <a:r>
+              <a:rPr lang="en-US" altLang="ko-KR" dirty="0">
+                <a:solidFill>
+                  <a:srgbClr val="ABB2BF"/>
+                </a:solidFill>
+                <a:latin typeface="dm"/>
+              </a:rPr>
+              <a:t>!&lt;/</a:t>
+            </a:r>
+            <a:r>
+              <a:rPr lang="en-US" altLang="ko-KR" dirty="0">
+                <a:solidFill>
+                  <a:srgbClr val="E06C75"/>
+                </a:solidFill>
+                <a:latin typeface="dm"/>
+              </a:rPr>
+              <a:t>h1</a:t>
+            </a:r>
+            <a:r>
+              <a:rPr lang="en-US" altLang="ko-KR" dirty="0">
+                <a:solidFill>
+                  <a:srgbClr val="ABB2BF"/>
+                </a:solidFill>
+                <a:latin typeface="dm"/>
+              </a:rPr>
+              <a:t>&gt;</a:t>
+            </a:r>
+            <a:endParaRPr lang="en-US" altLang="ko-KR" dirty="0">
+              <a:solidFill>
+                <a:srgbClr val="999999"/>
+              </a:solidFill>
+              <a:latin typeface="dm"/>
+            </a:endParaRPr>
+          </a:p>
+          <a:p>
+            <a:pPr lvl="1"/>
+            <a:r>
+              <a:rPr lang="en-US" altLang="ko-KR" dirty="0">
+                <a:solidFill>
+                  <a:srgbClr val="ABB2BF"/>
+                </a:solidFill>
+                <a:latin typeface="dm"/>
+              </a:rPr>
+              <a:t>&lt;</a:t>
+            </a:r>
+            <a:r>
+              <a:rPr lang="en-US" altLang="ko-KR" dirty="0">
+                <a:solidFill>
+                  <a:srgbClr val="E06C75"/>
+                </a:solidFill>
+                <a:latin typeface="dm"/>
+              </a:rPr>
+              <a:t>h2</a:t>
+            </a:r>
+            <a:r>
+              <a:rPr lang="en-US" altLang="ko-KR" dirty="0">
+                <a:solidFill>
+                  <a:srgbClr val="ABB2BF"/>
+                </a:solidFill>
+                <a:latin typeface="dm"/>
+              </a:rPr>
+              <a:t>&gt;</a:t>
+            </a:r>
+            <a:r>
+              <a:rPr lang="ko-KR" altLang="en-US" dirty="0">
+                <a:solidFill>
+                  <a:srgbClr val="ABB2BF"/>
+                </a:solidFill>
+                <a:latin typeface="dm"/>
+              </a:rPr>
+              <a:t>잘 작동하니</a:t>
+            </a:r>
+            <a:r>
+              <a:rPr lang="en-US" altLang="ko-KR" dirty="0">
+                <a:solidFill>
+                  <a:srgbClr val="ABB2BF"/>
+                </a:solidFill>
+                <a:latin typeface="dm"/>
+              </a:rPr>
+              <a:t>?&lt;/</a:t>
+            </a:r>
+            <a:r>
+              <a:rPr lang="en-US" altLang="ko-KR" dirty="0">
+                <a:solidFill>
+                  <a:srgbClr val="E06C75"/>
+                </a:solidFill>
+                <a:latin typeface="dm"/>
+              </a:rPr>
+              <a:t>h2</a:t>
+            </a:r>
+            <a:r>
+              <a:rPr lang="en-US" altLang="ko-KR" dirty="0">
+                <a:solidFill>
+                  <a:srgbClr val="ABB2BF"/>
+                </a:solidFill>
+                <a:latin typeface="dm"/>
+              </a:rPr>
+              <a:t>&gt;</a:t>
+            </a:r>
+            <a:endParaRPr lang="en-US" altLang="ko-KR" dirty="0">
+              <a:solidFill>
+                <a:srgbClr val="999999"/>
+              </a:solidFill>
+              <a:latin typeface="dm"/>
+            </a:endParaRPr>
+          </a:p>
+          <a:p>
+            <a:r>
+              <a:rPr lang="en-US" altLang="ko-KR" dirty="0">
+                <a:solidFill>
+                  <a:srgbClr val="ABB2BF"/>
+                </a:solidFill>
+                <a:latin typeface="dm"/>
+              </a:rPr>
+              <a:t>&lt;/&gt;</a:t>
+            </a:r>
+            <a:endParaRPr lang="en-US" altLang="ko-KR" b="0" dirty="0">
+              <a:solidFill>
+                <a:srgbClr val="999999"/>
+              </a:solidFill>
+              <a:effectLst/>
+              <a:latin typeface="dm"/>
+            </a:endParaRPr>
+          </a:p>
+        </p:txBody>
+      </p:sp>
+    </p:spTree>
+    <p:extLst>
+      <p:ext uri="{BB962C8B-B14F-4D97-AF65-F5344CB8AC3E}">
+        <p14:creationId xmlns:p14="http://schemas.microsoft.com/office/powerpoint/2010/main" val="3513941564"/>
+      </p:ext>
+    </p:extLst>
+  </p:cSld>
+  <p:clrMapOvr>
+    <a:masterClrMapping/>
+  </p:clrMapOvr>
+</p:sld>
+</file>
+
+<file path=ppt/slides/slide16.xml><?xml version="1.0" encoding="utf-8"?>
+<p:sld xmlns:a="http://schemas.openxmlformats.org/drawingml/2006/main" xmlns:r="http://schemas.openxmlformats.org/officeDocument/2006/relationships" xmlns:p="http://schemas.openxmlformats.org/presentationml/2006/main">
+  <p:cSld>
+    <p:spTree>
+      <p:nvGrpSpPr>
+        <p:cNvPr id="1" name=""/>
+        <p:cNvGrpSpPr/>
+        <p:nvPr/>
+      </p:nvGrpSpPr>
+      <p:grpSpPr>
+        <a:xfrm>
+          <a:off x="0" y="0"/>
+          <a:ext cx="0" cy="0"/>
+          <a:chOff x="0" y="0"/>
+          <a:chExt cx="0" cy="0"/>
+        </a:xfrm>
+      </p:grpSpPr>
+      <p:sp>
+        <p:nvSpPr>
+          <p:cNvPr id="2" name="제목 1">
+            <a:extLst>
+              <a:ext uri="{FF2B5EF4-FFF2-40B4-BE49-F238E27FC236}">
+                <a16:creationId xmlns:a16="http://schemas.microsoft.com/office/drawing/2014/main" id="{759D9FA9-34ED-42C8-8E12-82CC5B6DCED9}"/>
+              </a:ext>
+            </a:extLst>
+          </p:cNvPr>
+          <p:cNvSpPr>
+            <a:spLocks noGrp="1"/>
+          </p:cNvSpPr>
+          <p:nvPr>
+            <p:ph type="title"/>
+          </p:nvPr>
+        </p:nvSpPr>
+        <p:spPr/>
+        <p:txBody>
+          <a:bodyPr/>
+          <a:lstStyle/>
+          <a:p>
+            <a:r>
+              <a:rPr lang="ko-KR" altLang="en-US" dirty="0" err="1"/>
+              <a:t>삼항연산자</a:t>
+            </a:r>
+            <a:endParaRPr lang="ko-KR" altLang="en-US" dirty="0"/>
+          </a:p>
+        </p:txBody>
+      </p:sp>
+      <p:pic>
+        <p:nvPicPr>
+          <p:cNvPr id="4" name="그림 3">
+            <a:extLst>
+              <a:ext uri="{FF2B5EF4-FFF2-40B4-BE49-F238E27FC236}">
+                <a16:creationId xmlns:a16="http://schemas.microsoft.com/office/drawing/2014/main" id="{761A85AC-13D9-4FC8-84E9-47CA61C32300}"/>
+              </a:ext>
+            </a:extLst>
+          </p:cNvPr>
+          <p:cNvPicPr>
+            <a:picLocks noChangeAspect="1"/>
+          </p:cNvPicPr>
+          <p:nvPr/>
+        </p:nvPicPr>
+        <p:blipFill>
+          <a:blip r:embed="rId2"/>
+          <a:stretch>
+            <a:fillRect/>
+          </a:stretch>
+        </p:blipFill>
+        <p:spPr>
+          <a:xfrm>
+            <a:off x="701005" y="1690688"/>
+            <a:ext cx="3390900" cy="3867150"/>
+          </a:xfrm>
+          <a:prstGeom prst="rect">
+            <a:avLst/>
+          </a:prstGeom>
+        </p:spPr>
+      </p:pic>
+    </p:spTree>
+    <p:extLst>
+      <p:ext uri="{BB962C8B-B14F-4D97-AF65-F5344CB8AC3E}">
+        <p14:creationId xmlns:p14="http://schemas.microsoft.com/office/powerpoint/2010/main" val="420679735"/>
+      </p:ext>
+    </p:extLst>
+  </p:cSld>
+  <p:clrMapOvr>
+    <a:masterClrMapping/>
+  </p:clrMapOvr>
+</p:sld>
+</file>
+
+<file path=ppt/slides/slide17.xml><?xml version="1.0" encoding="utf-8"?>
+<p:sld xmlns:a="http://schemas.openxmlformats.org/drawingml/2006/main" xmlns:r="http://schemas.openxmlformats.org/officeDocument/2006/relationships" xmlns:p="http://schemas.openxmlformats.org/presentationml/2006/main">
+  <p:cSld>
+    <p:spTree>
+      <p:nvGrpSpPr>
+        <p:cNvPr id="1" name=""/>
+        <p:cNvGrpSpPr/>
+        <p:nvPr/>
+      </p:nvGrpSpPr>
+      <p:grpSpPr>
+        <a:xfrm>
+          <a:off x="0" y="0"/>
+          <a:ext cx="0" cy="0"/>
+          <a:chOff x="0" y="0"/>
+          <a:chExt cx="0" cy="0"/>
+        </a:xfrm>
+      </p:grpSpPr>
+      <p:sp>
+        <p:nvSpPr>
+          <p:cNvPr id="2" name="제목 1">
+            <a:extLst>
+              <a:ext uri="{FF2B5EF4-FFF2-40B4-BE49-F238E27FC236}">
+                <a16:creationId xmlns:a16="http://schemas.microsoft.com/office/drawing/2014/main" id="{B96E6C6B-74DC-46EC-A46A-956CDCC90330}"/>
+              </a:ext>
+            </a:extLst>
+          </p:cNvPr>
+          <p:cNvSpPr>
+            <a:spLocks noGrp="1"/>
+          </p:cNvSpPr>
+          <p:nvPr>
+            <p:ph type="title"/>
+          </p:nvPr>
+        </p:nvSpPr>
+        <p:spPr/>
+        <p:txBody>
+          <a:bodyPr/>
+          <a:lstStyle/>
+          <a:p>
+            <a:r>
+              <a:rPr lang="ko-KR" altLang="en-US" dirty="0"/>
+              <a:t>코드 줄이기 </a:t>
+            </a:r>
+            <a:r>
+              <a:rPr lang="en-US" altLang="ko-KR" dirty="0"/>
+              <a:t>true </a:t>
+            </a:r>
+            <a:r>
+              <a:rPr lang="ko-KR" altLang="en-US" dirty="0" err="1"/>
+              <a:t>일떄</a:t>
+            </a:r>
+            <a:endParaRPr lang="ko-KR" altLang="en-US" dirty="0"/>
+          </a:p>
+        </p:txBody>
+      </p:sp>
+      <p:pic>
+        <p:nvPicPr>
+          <p:cNvPr id="4" name="그림 3">
+            <a:extLst>
+              <a:ext uri="{FF2B5EF4-FFF2-40B4-BE49-F238E27FC236}">
+                <a16:creationId xmlns:a16="http://schemas.microsoft.com/office/drawing/2014/main" id="{6AF73FFB-8524-465F-A541-22A607F62195}"/>
+              </a:ext>
+            </a:extLst>
+          </p:cNvPr>
+          <p:cNvPicPr>
+            <a:picLocks noChangeAspect="1"/>
+          </p:cNvPicPr>
+          <p:nvPr/>
+        </p:nvPicPr>
+        <p:blipFill>
+          <a:blip r:embed="rId2"/>
+          <a:stretch>
+            <a:fillRect/>
+          </a:stretch>
+        </p:blipFill>
+        <p:spPr>
+          <a:xfrm>
+            <a:off x="547906" y="1690688"/>
+            <a:ext cx="5676900" cy="1933575"/>
+          </a:xfrm>
+          <a:prstGeom prst="rect">
+            <a:avLst/>
+          </a:prstGeom>
+          <a:ln>
+            <a:solidFill>
+              <a:schemeClr val="accent1"/>
+            </a:solidFill>
+          </a:ln>
+        </p:spPr>
+      </p:pic>
+      <p:pic>
+        <p:nvPicPr>
+          <p:cNvPr id="5" name="그림 4">
+            <a:extLst>
+              <a:ext uri="{FF2B5EF4-FFF2-40B4-BE49-F238E27FC236}">
+                <a16:creationId xmlns:a16="http://schemas.microsoft.com/office/drawing/2014/main" id="{7AA4C0BC-84E0-4F22-8ACE-55DBB6ADA565}"/>
+              </a:ext>
+            </a:extLst>
+          </p:cNvPr>
+          <p:cNvPicPr>
+            <a:picLocks noChangeAspect="1"/>
+          </p:cNvPicPr>
+          <p:nvPr/>
+        </p:nvPicPr>
+        <p:blipFill>
+          <a:blip r:embed="rId3"/>
+          <a:stretch>
+            <a:fillRect/>
+          </a:stretch>
+        </p:blipFill>
+        <p:spPr>
+          <a:xfrm>
+            <a:off x="547906" y="3930651"/>
+            <a:ext cx="5676900" cy="2038350"/>
+          </a:xfrm>
+          <a:prstGeom prst="rect">
+            <a:avLst/>
+          </a:prstGeom>
+          <a:ln>
+            <a:solidFill>
+              <a:schemeClr val="accent1"/>
+            </a:solidFill>
+          </a:ln>
+        </p:spPr>
+      </p:pic>
+    </p:spTree>
+    <p:extLst>
+      <p:ext uri="{BB962C8B-B14F-4D97-AF65-F5344CB8AC3E}">
+        <p14:creationId xmlns:p14="http://schemas.microsoft.com/office/powerpoint/2010/main" val="3666194386"/>
+      </p:ext>
+    </p:extLst>
+  </p:cSld>
+  <p:clrMapOvr>
+    <a:masterClrMapping/>
+  </p:clrMapOvr>
+</p:sld>
+</file>
+
+<file path=ppt/slides/slide18.xml><?xml version="1.0" encoding="utf-8"?>
+<p:sld xmlns:a="http://schemas.openxmlformats.org/drawingml/2006/main" xmlns:r="http://schemas.openxmlformats.org/officeDocument/2006/relationships" xmlns:p="http://schemas.openxmlformats.org/presentationml/2006/main">
+  <p:cSld>
+    <p:spTree>
+      <p:nvGrpSpPr>
+        <p:cNvPr id="1" name=""/>
+        <p:cNvGrpSpPr/>
+        <p:nvPr/>
+      </p:nvGrpSpPr>
+      <p:grpSpPr>
+        <a:xfrm>
+          <a:off x="0" y="0"/>
+          <a:ext cx="0" cy="0"/>
+          <a:chOff x="0" y="0"/>
+          <a:chExt cx="0" cy="0"/>
+        </a:xfrm>
+      </p:grpSpPr>
+      <p:sp>
+        <p:nvSpPr>
+          <p:cNvPr id="2" name="제목 1">
+            <a:extLst>
+              <a:ext uri="{FF2B5EF4-FFF2-40B4-BE49-F238E27FC236}">
+                <a16:creationId xmlns:a16="http://schemas.microsoft.com/office/drawing/2014/main" id="{2EBBA45E-D90D-49A1-9F31-EC5B01DB6D3D}"/>
+              </a:ext>
+            </a:extLst>
+          </p:cNvPr>
+          <p:cNvSpPr>
+            <a:spLocks noGrp="1"/>
+          </p:cNvSpPr>
+          <p:nvPr>
+            <p:ph type="title"/>
+          </p:nvPr>
+        </p:nvSpPr>
+        <p:spPr/>
+        <p:txBody>
+          <a:bodyPr>
+            <a:normAutofit/>
+          </a:bodyPr>
+          <a:lstStyle/>
+          <a:p>
+            <a:r>
+              <a:rPr lang="ko-KR" altLang="en-US" sz="4000" dirty="0"/>
+              <a:t>해당 값이 </a:t>
+            </a:r>
+            <a:r>
+              <a:rPr lang="en-US" altLang="ko-KR" sz="4000" dirty="0"/>
+              <a:t>null</a:t>
+            </a:r>
+            <a:r>
+              <a:rPr lang="ko-KR" altLang="en-US" sz="4000" dirty="0"/>
+              <a:t>이거나 </a:t>
+            </a:r>
+            <a:r>
+              <a:rPr lang="en-US" altLang="ko-KR" sz="4000" dirty="0"/>
+              <a:t>undefined </a:t>
+            </a:r>
+            <a:r>
+              <a:rPr lang="ko-KR" altLang="en-US" sz="4000" dirty="0" err="1"/>
+              <a:t>일때</a:t>
+            </a:r>
+            <a:r>
+              <a:rPr lang="ko-KR" altLang="en-US" sz="4000" dirty="0"/>
+              <a:t> 출력</a:t>
+            </a:r>
+          </a:p>
+        </p:txBody>
+      </p:sp>
+      <p:pic>
+        <p:nvPicPr>
+          <p:cNvPr id="4" name="그림 3">
+            <a:extLst>
+              <a:ext uri="{FF2B5EF4-FFF2-40B4-BE49-F238E27FC236}">
+                <a16:creationId xmlns:a16="http://schemas.microsoft.com/office/drawing/2014/main" id="{413B87F6-F63A-4F2A-9079-7C90EAAAB503}"/>
+              </a:ext>
+            </a:extLst>
+          </p:cNvPr>
+          <p:cNvPicPr>
+            <a:picLocks noChangeAspect="1"/>
+          </p:cNvPicPr>
+          <p:nvPr/>
+        </p:nvPicPr>
+        <p:blipFill>
+          <a:blip r:embed="rId2"/>
+          <a:stretch>
+            <a:fillRect/>
+          </a:stretch>
+        </p:blipFill>
+        <p:spPr>
+          <a:xfrm>
+            <a:off x="838200" y="1866178"/>
+            <a:ext cx="4661750" cy="3125643"/>
+          </a:xfrm>
+          <a:prstGeom prst="rect">
+            <a:avLst/>
+          </a:prstGeom>
+        </p:spPr>
+      </p:pic>
+    </p:spTree>
+    <p:extLst>
+      <p:ext uri="{BB962C8B-B14F-4D97-AF65-F5344CB8AC3E}">
+        <p14:creationId xmlns:p14="http://schemas.microsoft.com/office/powerpoint/2010/main" val="881087653"/>
+      </p:ext>
+    </p:extLst>
+  </p:cSld>
+  <p:clrMapOvr>
+    <a:masterClrMapping/>
+  </p:clrMapOvr>
+</p:sld>
+</file>
+
+<file path=ppt/slides/slide19.xml><?xml version="1.0" encoding="utf-8"?>
+<p:sld xmlns:a="http://schemas.openxmlformats.org/drawingml/2006/main" xmlns:r="http://schemas.openxmlformats.org/officeDocument/2006/relationships" xmlns:p="http://schemas.openxmlformats.org/presentationml/2006/main">
+  <p:cSld>
+    <p:spTree>
+      <p:nvGrpSpPr>
+        <p:cNvPr id="1" name=""/>
+        <p:cNvGrpSpPr/>
+        <p:nvPr/>
+      </p:nvGrpSpPr>
+      <p:grpSpPr>
+        <a:xfrm>
+          <a:off x="0" y="0"/>
+          <a:ext cx="0" cy="0"/>
+          <a:chOff x="0" y="0"/>
+          <a:chExt cx="0" cy="0"/>
+        </a:xfrm>
+      </p:grpSpPr>
+      <p:sp>
+        <p:nvSpPr>
+          <p:cNvPr id="2" name="제목 1">
+            <a:extLst>
+              <a:ext uri="{FF2B5EF4-FFF2-40B4-BE49-F238E27FC236}">
+                <a16:creationId xmlns:a16="http://schemas.microsoft.com/office/drawing/2014/main" id="{97DB12A6-C345-4C50-95F8-DF2A3E4DEEF1}"/>
+              </a:ext>
+            </a:extLst>
+          </p:cNvPr>
+          <p:cNvSpPr>
+            <a:spLocks noGrp="1"/>
+          </p:cNvSpPr>
+          <p:nvPr>
+            <p:ph type="title"/>
+          </p:nvPr>
+        </p:nvSpPr>
+        <p:spPr/>
+        <p:txBody>
+          <a:bodyPr>
+            <a:normAutofit/>
+          </a:bodyPr>
+          <a:lstStyle/>
+          <a:p>
+            <a:r>
+              <a:rPr lang="ko-KR" altLang="en-US" sz="3200" dirty="0" err="1"/>
+              <a:t>리액트</a:t>
+            </a:r>
+            <a:r>
+              <a:rPr lang="ko-KR" altLang="en-US" sz="3200" dirty="0"/>
+              <a:t> 요소 인라인 스타일 적용시 객체형태로 </a:t>
+            </a:r>
+            <a:r>
+              <a:rPr lang="ko-KR" altLang="en-US" sz="3200" dirty="0" err="1"/>
+              <a:t>넣어야함</a:t>
+            </a:r>
+            <a:endParaRPr lang="ko-KR" altLang="en-US" sz="3200" dirty="0"/>
+          </a:p>
+        </p:txBody>
+      </p:sp>
+      <p:pic>
+        <p:nvPicPr>
+          <p:cNvPr id="4" name="그림 3">
+            <a:extLst>
+              <a:ext uri="{FF2B5EF4-FFF2-40B4-BE49-F238E27FC236}">
+                <a16:creationId xmlns:a16="http://schemas.microsoft.com/office/drawing/2014/main" id="{8FBF6179-FE8D-49A7-BA1E-D609D9AAC6C3}"/>
+              </a:ext>
+            </a:extLst>
+          </p:cNvPr>
+          <p:cNvPicPr>
+            <a:picLocks noChangeAspect="1"/>
+          </p:cNvPicPr>
+          <p:nvPr/>
+        </p:nvPicPr>
+        <p:blipFill>
+          <a:blip r:embed="rId2"/>
+          <a:stretch>
+            <a:fillRect/>
+          </a:stretch>
+        </p:blipFill>
+        <p:spPr>
+          <a:xfrm>
+            <a:off x="838200" y="1690688"/>
+            <a:ext cx="7000875" cy="3848100"/>
+          </a:xfrm>
+          <a:prstGeom prst="rect">
+            <a:avLst/>
+          </a:prstGeom>
+        </p:spPr>
+      </p:pic>
+    </p:spTree>
+    <p:extLst>
+      <p:ext uri="{BB962C8B-B14F-4D97-AF65-F5344CB8AC3E}">
+        <p14:creationId xmlns:p14="http://schemas.microsoft.com/office/powerpoint/2010/main" val="3761150608"/>
       </p:ext>
     </p:extLst>
   </p:cSld>
@@ -6811,8 +8844,8 @@
         </p:nvSpPr>
         <p:spPr bwMode="auto">
           <a:xfrm>
-            <a:off x="142240" y="680551"/>
-            <a:ext cx="11585223" cy="4985980"/>
+            <a:off x="142240" y="141945"/>
+            <a:ext cx="11585223" cy="6063198"/>
           </a:xfrm>
           <a:prstGeom prst="rect">
             <a:avLst/>
@@ -6877,7 +8910,7 @@
               <a:tabLst/>
             </a:pPr>
             <a:r>
-              <a:rPr kumimoji="0" lang="ko-KR" altLang="ko-KR" sz="2000" b="0" i="0" u="none" strike="noStrike" cap="none" normalizeH="0" baseline="0" dirty="0" err="1">
+              <a:rPr kumimoji="0" lang="ko-KR" altLang="ko-KR" sz="4000" b="0" i="0" u="none" strike="noStrike" cap="none" normalizeH="0" baseline="0" dirty="0" err="1">
                 <a:ln>
                   <a:noFill/>
                 </a:ln>
@@ -7386,7 +9419,7 @@
               <a:buChar char="•"/>
               <a:tabLst/>
             </a:pPr>
-            <a:endParaRPr kumimoji="0" lang="ko-KR" altLang="ko-KR" sz="2000" b="0" i="0" u="none" strike="noStrike" cap="none" normalizeH="0" baseline="0" dirty="0">
+            <a:endParaRPr kumimoji="0" lang="ko-KR" altLang="ko-KR" sz="4400" b="0" i="0" u="none" strike="noStrike" cap="none" normalizeH="0" baseline="0" dirty="0">
               <a:ln>
                 <a:noFill/>
               </a:ln>
@@ -7416,7 +9449,7 @@
               <a:tabLst/>
             </a:pPr>
             <a:r>
-              <a:rPr kumimoji="0" lang="ko-KR" altLang="ko-KR" sz="2000" b="0" i="0" u="none" strike="noStrike" cap="none" normalizeH="0" baseline="0" dirty="0" err="1">
+              <a:rPr kumimoji="0" lang="ko-KR" altLang="ko-KR" sz="4400" b="0" i="0" u="none" strike="noStrike" cap="none" normalizeH="0" baseline="0" dirty="0" err="1">
                 <a:ln>
                   <a:noFill/>
                 </a:ln>
